--- a/Presentation.pptx
+++ b/Presentation.pptx
@@ -5,35 +5,37 @@
     <p:sldMasterId id="2147483659" r:id="rId1"/>
   </p:sldMasterIdLst>
   <p:notesMasterIdLst>
-    <p:notesMasterId r:id="rId18"/>
+    <p:notesMasterId r:id="rId20"/>
   </p:notesMasterIdLst>
   <p:sldIdLst>
     <p:sldId id="256" r:id="rId2"/>
     <p:sldId id="281" r:id="rId3"/>
     <p:sldId id="268" r:id="rId4"/>
     <p:sldId id="258" r:id="rId5"/>
-    <p:sldId id="280" r:id="rId6"/>
-    <p:sldId id="272" r:id="rId7"/>
-    <p:sldId id="259" r:id="rId8"/>
-    <p:sldId id="269" r:id="rId9"/>
-    <p:sldId id="273" r:id="rId10"/>
-    <p:sldId id="279" r:id="rId11"/>
-    <p:sldId id="270" r:id="rId12"/>
-    <p:sldId id="271" r:id="rId13"/>
-    <p:sldId id="274" r:id="rId14"/>
-    <p:sldId id="261" r:id="rId15"/>
-    <p:sldId id="264" r:id="rId16"/>
-    <p:sldId id="277" r:id="rId17"/>
+    <p:sldId id="282" r:id="rId6"/>
+    <p:sldId id="283" r:id="rId7"/>
+    <p:sldId id="280" r:id="rId8"/>
+    <p:sldId id="272" r:id="rId9"/>
+    <p:sldId id="259" r:id="rId10"/>
+    <p:sldId id="269" r:id="rId11"/>
+    <p:sldId id="273" r:id="rId12"/>
+    <p:sldId id="279" r:id="rId13"/>
+    <p:sldId id="270" r:id="rId14"/>
+    <p:sldId id="271" r:id="rId15"/>
+    <p:sldId id="274" r:id="rId16"/>
+    <p:sldId id="261" r:id="rId17"/>
+    <p:sldId id="264" r:id="rId18"/>
+    <p:sldId id="277" r:id="rId19"/>
   </p:sldIdLst>
   <p:sldSz cx="9144000" cy="5143500" type="screen16x9"/>
   <p:notesSz cx="6858000" cy="9144000"/>
   <p:embeddedFontLst>
     <p:embeddedFont>
       <p:font typeface="Roboto" panose="020B0604020202020204" charset="0"/>
-      <p:regular r:id="rId19"/>
-      <p:bold r:id="rId20"/>
-      <p:italic r:id="rId21"/>
-      <p:boldItalic r:id="rId22"/>
+      <p:regular r:id="rId21"/>
+      <p:bold r:id="rId22"/>
+      <p:italic r:id="rId23"/>
+      <p:boldItalic r:id="rId24"/>
     </p:embeddedFont>
   </p:embeddedFontLst>
   <p:defaultTextStyle>
@@ -244,6 +246,10 @@
     </p:ext>
   </p:extLst>
 </p:presentation>
+</file>
+
+<file path=ppt/revisionInfo.xml><?xml version="1.0" encoding="utf-8"?>
+<p1510:revInfo xmlns:a="http://schemas.openxmlformats.org/drawingml/2006/main" xmlns:r="http://schemas.openxmlformats.org/officeDocument/2006/relationships" xmlns:p1510="http://schemas.microsoft.com/office/powerpoint/2015/10/main"/>
 </file>
 
 <file path=ppt/notesMasters/notesMaster1.xml><?xml version="1.0" encoding="utf-8"?>
@@ -6289,6 +6295,269 @@
   <p:cSld>
     <p:spTree>
       <p:nvGrpSpPr>
+        <p:cNvPr id="1" name=""/>
+        <p:cNvGrpSpPr/>
+        <p:nvPr/>
+      </p:nvGrpSpPr>
+      <p:grpSpPr>
+        <a:xfrm>
+          <a:off x="0" y="0"/>
+          <a:ext cx="0" cy="0"/>
+          <a:chOff x="0" y="0"/>
+          <a:chExt cx="0" cy="0"/>
+        </a:xfrm>
+      </p:grpSpPr>
+      <p:pic>
+        <p:nvPicPr>
+          <p:cNvPr id="3" name="Picture 2"/>
+          <p:cNvPicPr>
+            <a:picLocks noChangeAspect="1"/>
+          </p:cNvPicPr>
+          <p:nvPr/>
+        </p:nvPicPr>
+        <p:blipFill>
+          <a:blip r:embed="rId2"/>
+          <a:stretch>
+            <a:fillRect/>
+          </a:stretch>
+        </p:blipFill>
+        <p:spPr>
+          <a:xfrm>
+            <a:off x="1894146" y="0"/>
+            <a:ext cx="4781550" cy="4914900"/>
+          </a:xfrm>
+          <a:prstGeom prst="rect">
+            <a:avLst/>
+          </a:prstGeom>
+        </p:spPr>
+      </p:pic>
+    </p:spTree>
+    <p:extLst>
+      <p:ext uri="{BB962C8B-B14F-4D97-AF65-F5344CB8AC3E}">
+        <p14:creationId xmlns:p14="http://schemas.microsoft.com/office/powerpoint/2010/main" val="2790826546"/>
+      </p:ext>
+    </p:extLst>
+  </p:cSld>
+  <p:clrMapOvr>
+    <a:masterClrMapping/>
+  </p:clrMapOvr>
+</p:sld>
+</file>
+
+<file path=ppt/slides/slide11.xml><?xml version="1.0" encoding="utf-8"?>
+<p:sld xmlns:a="http://schemas.openxmlformats.org/drawingml/2006/main" xmlns:r="http://schemas.openxmlformats.org/officeDocument/2006/relationships" xmlns:p="http://schemas.openxmlformats.org/presentationml/2006/main">
+  <p:cSld>
+    <p:spTree>
+      <p:nvGrpSpPr>
+        <p:cNvPr id="1" name="Shape 131"/>
+        <p:cNvGrpSpPr/>
+        <p:nvPr/>
+      </p:nvGrpSpPr>
+      <p:grpSpPr>
+        <a:xfrm>
+          <a:off x="0" y="0"/>
+          <a:ext cx="0" cy="0"/>
+          <a:chOff x="0" y="0"/>
+          <a:chExt cx="0" cy="0"/>
+        </a:xfrm>
+      </p:grpSpPr>
+      <p:sp>
+        <p:nvSpPr>
+          <p:cNvPr id="132" name="Shape 132"/>
+          <p:cNvSpPr txBox="1">
+            <a:spLocks noGrp="1"/>
+          </p:cNvSpPr>
+          <p:nvPr>
+            <p:ph type="title"/>
+          </p:nvPr>
+        </p:nvSpPr>
+        <p:spPr>
+          <a:xfrm>
+            <a:off x="265500" y="1151100"/>
+            <a:ext cx="4045199" cy="1564499"/>
+          </a:xfrm>
+          <a:prstGeom prst="rect">
+            <a:avLst/>
+          </a:prstGeom>
+        </p:spPr>
+        <p:txBody>
+          <a:bodyPr lIns="91425" tIns="91425" rIns="91425" bIns="91425" anchor="b" anchorCtr="0">
+            <a:noAutofit/>
+          </a:bodyPr>
+          <a:lstStyle/>
+          <a:p>
+            <a:pPr lvl="0">
+              <a:spcBef>
+                <a:spcPts val="0"/>
+              </a:spcBef>
+              <a:buNone/>
+            </a:pPr>
+            <a:r>
+              <a:rPr lang="en" dirty="0"/>
+              <a:t>Hyper Parameters</a:t>
+            </a:r>
+          </a:p>
+        </p:txBody>
+      </p:sp>
+      <p:sp>
+        <p:nvSpPr>
+          <p:cNvPr id="133" name="Shape 133"/>
+          <p:cNvSpPr txBox="1">
+            <a:spLocks noGrp="1"/>
+          </p:cNvSpPr>
+          <p:nvPr>
+            <p:ph type="subTitle" idx="1"/>
+          </p:nvPr>
+        </p:nvSpPr>
+        <p:spPr>
+          <a:xfrm>
+            <a:off x="265500" y="2769001"/>
+            <a:ext cx="4045199" cy="1269299"/>
+          </a:xfrm>
+          <a:prstGeom prst="rect">
+            <a:avLst/>
+          </a:prstGeom>
+        </p:spPr>
+        <p:txBody>
+          <a:bodyPr lIns="91425" tIns="91425" rIns="91425" bIns="91425" anchor="t" anchorCtr="0">
+            <a:noAutofit/>
+          </a:bodyPr>
+          <a:lstStyle/>
+          <a:p>
+            <a:pPr lvl="0">
+              <a:spcBef>
+                <a:spcPts val="0"/>
+              </a:spcBef>
+              <a:buNone/>
+            </a:pPr>
+            <a:r>
+              <a:rPr lang="en"/>
+              <a:t> </a:t>
+            </a:r>
+          </a:p>
+        </p:txBody>
+      </p:sp>
+      <p:sp>
+        <p:nvSpPr>
+          <p:cNvPr id="134" name="Shape 134"/>
+          <p:cNvSpPr txBox="1">
+            <a:spLocks noGrp="1"/>
+          </p:cNvSpPr>
+          <p:nvPr>
+            <p:ph type="body" idx="2"/>
+          </p:nvPr>
+        </p:nvSpPr>
+        <p:spPr>
+          <a:xfrm>
+            <a:off x="4939500" y="724200"/>
+            <a:ext cx="3837000" cy="4089340"/>
+          </a:xfrm>
+          <a:prstGeom prst="rect">
+            <a:avLst/>
+          </a:prstGeom>
+        </p:spPr>
+        <p:txBody>
+          <a:bodyPr lIns="91425" tIns="91425" rIns="91425" bIns="91425" anchor="ctr" anchorCtr="0">
+            <a:noAutofit/>
+          </a:bodyPr>
+          <a:lstStyle/>
+          <a:p>
+            <a:pPr lvl="0">
+              <a:spcBef>
+                <a:spcPts val="0"/>
+              </a:spcBef>
+              <a:buNone/>
+            </a:pPr>
+            <a:r>
+              <a:rPr lang="en" dirty="0"/>
+              <a:t>Embedding dimensions = 300</a:t>
+            </a:r>
+          </a:p>
+          <a:p>
+            <a:pPr lvl="0">
+              <a:spcBef>
+                <a:spcPts val="0"/>
+              </a:spcBef>
+              <a:buNone/>
+            </a:pPr>
+            <a:r>
+              <a:rPr lang="en" dirty="0"/>
+              <a:t>Filter window size = 3, 4, 5</a:t>
+            </a:r>
+          </a:p>
+          <a:p>
+            <a:r>
+              <a:rPr lang="en" dirty="0"/>
+              <a:t>Feature maps = 128</a:t>
+            </a:r>
+          </a:p>
+          <a:p>
+            <a:pPr lvl="0"/>
+            <a:r>
+              <a:rPr lang="en-US" dirty="0"/>
+              <a:t>D</a:t>
+            </a:r>
+            <a:r>
+              <a:rPr lang="en" dirty="0"/>
+              <a:t>ropout = 0.7</a:t>
+            </a:r>
+          </a:p>
+          <a:p>
+            <a:pPr lvl="0">
+              <a:spcBef>
+                <a:spcPts val="0"/>
+              </a:spcBef>
+              <a:buNone/>
+            </a:pPr>
+            <a:r>
+              <a:rPr lang="en" dirty="0"/>
+              <a:t>Loss function = Cross entropy</a:t>
+            </a:r>
+          </a:p>
+          <a:p>
+            <a:pPr lvl="0">
+              <a:spcBef>
+                <a:spcPts val="0"/>
+              </a:spcBef>
+              <a:buNone/>
+            </a:pPr>
+            <a:r>
+              <a:rPr lang="en" dirty="0"/>
+              <a:t>Learning Rate (Adam) = 0.001</a:t>
+            </a:r>
+          </a:p>
+          <a:p>
+            <a:r>
+              <a:rPr lang="en" dirty="0"/>
+              <a:t>Batch Size = 64</a:t>
+            </a:r>
+          </a:p>
+          <a:p>
+            <a:r>
+              <a:rPr lang="en" dirty="0"/>
+              <a:t>Variable Epochs</a:t>
+            </a:r>
+          </a:p>
+        </p:txBody>
+      </p:sp>
+    </p:spTree>
+    <p:extLst>
+      <p:ext uri="{BB962C8B-B14F-4D97-AF65-F5344CB8AC3E}">
+        <p14:creationId xmlns:p14="http://schemas.microsoft.com/office/powerpoint/2010/main" val="234549927"/>
+      </p:ext>
+    </p:extLst>
+  </p:cSld>
+  <p:clrMapOvr>
+    <a:masterClrMapping/>
+  </p:clrMapOvr>
+</p:sld>
+</file>
+
+<file path=ppt/slides/slide12.xml><?xml version="1.0" encoding="utf-8"?>
+<p:sld xmlns:a="http://schemas.openxmlformats.org/drawingml/2006/main" xmlns:r="http://schemas.openxmlformats.org/officeDocument/2006/relationships" xmlns:p="http://schemas.openxmlformats.org/presentationml/2006/main">
+  <p:cSld>
+    <p:spTree>
+      <p:nvGrpSpPr>
         <p:cNvPr id="1" name="Shape 138"/>
         <p:cNvGrpSpPr/>
         <p:nvPr/>
@@ -6648,7 +6917,7 @@
 </p:sld>
 </file>
 
-<file path=ppt/slides/slide11.xml><?xml version="1.0" encoding="utf-8"?>
+<file path=ppt/slides/slide13.xml><?xml version="1.0" encoding="utf-8"?>
 <p:sld xmlns:a="http://schemas.openxmlformats.org/drawingml/2006/main" xmlns:r="http://schemas.openxmlformats.org/officeDocument/2006/relationships" xmlns:p="http://schemas.openxmlformats.org/presentationml/2006/main">
   <p:cSld>
     <p:spTree>
@@ -7190,7 +7459,7 @@
 </p:sld>
 </file>
 
-<file path=ppt/slides/slide12.xml><?xml version="1.0" encoding="utf-8"?>
+<file path=ppt/slides/slide14.xml><?xml version="1.0" encoding="utf-8"?>
 <p:sld xmlns:a="http://schemas.openxmlformats.org/drawingml/2006/main" xmlns:r="http://schemas.openxmlformats.org/officeDocument/2006/relationships" xmlns:p="http://schemas.openxmlformats.org/presentationml/2006/main">
   <p:cSld>
     <p:spTree>
@@ -7273,7 +7542,7 @@
 </p:sld>
 </file>
 
-<file path=ppt/slides/slide13.xml><?xml version="1.0" encoding="utf-8"?>
+<file path=ppt/slides/slide15.xml><?xml version="1.0" encoding="utf-8"?>
 <p:sld xmlns:a="http://schemas.openxmlformats.org/drawingml/2006/main" xmlns:r="http://schemas.openxmlformats.org/officeDocument/2006/relationships" xmlns:p="http://schemas.openxmlformats.org/presentationml/2006/main">
   <p:cSld>
     <p:spTree>
@@ -7461,7 +7730,7 @@
 </p:sld>
 </file>
 
-<file path=ppt/slides/slide14.xml><?xml version="1.0" encoding="utf-8"?>
+<file path=ppt/slides/slide16.xml><?xml version="1.0" encoding="utf-8"?>
 <p:sld xmlns:a="http://schemas.openxmlformats.org/drawingml/2006/main" xmlns:r="http://schemas.openxmlformats.org/officeDocument/2006/relationships" xmlns:p="http://schemas.openxmlformats.org/presentationml/2006/main">
   <p:cSld>
     <p:spTree>
@@ -7946,7 +8215,7 @@
 </p:sld>
 </file>
 
-<file path=ppt/slides/slide15.xml><?xml version="1.0" encoding="utf-8"?>
+<file path=ppt/slides/slide17.xml><?xml version="1.0" encoding="utf-8"?>
 <p:sld xmlns:a="http://schemas.openxmlformats.org/drawingml/2006/main" xmlns:r="http://schemas.openxmlformats.org/officeDocument/2006/relationships" xmlns:p="http://schemas.openxmlformats.org/presentationml/2006/main">
   <p:cSld>
     <p:spTree>
@@ -8057,7 +8326,7 @@
 </p:sld>
 </file>
 
-<file path=ppt/slides/slide16.xml><?xml version="1.0" encoding="utf-8"?>
+<file path=ppt/slides/slide18.xml><?xml version="1.0" encoding="utf-8"?>
 <p:sld xmlns:a="http://schemas.openxmlformats.org/drawingml/2006/main" xmlns:r="http://schemas.openxmlformats.org/officeDocument/2006/relationships" xmlns:p="http://schemas.openxmlformats.org/presentationml/2006/main">
   <p:cSld>
     <p:spTree>
@@ -8624,6 +8893,295 @@
       </p:grpSpPr>
       <p:sp>
         <p:nvSpPr>
+          <p:cNvPr id="2" name="Title 1">
+            <a:extLst>
+              <a:ext uri="{FF2B5EF4-FFF2-40B4-BE49-F238E27FC236}">
+                <a16:creationId xmlns:a16="http://schemas.microsoft.com/office/drawing/2014/main" id="{2165A751-BD3F-4877-B333-74F7A70D62AB}"/>
+              </a:ext>
+            </a:extLst>
+          </p:cNvPr>
+          <p:cNvSpPr>
+            <a:spLocks noGrp="1"/>
+          </p:cNvSpPr>
+          <p:nvPr>
+            <p:ph type="title"/>
+          </p:nvPr>
+        </p:nvSpPr>
+        <p:spPr/>
+        <p:txBody>
+          <a:bodyPr/>
+          <a:lstStyle/>
+          <a:p>
+            <a:r>
+              <a:rPr lang="en-US" dirty="0"/>
+              <a:t>Most Frequent</a:t>
+            </a:r>
+            <a:br>
+              <a:rPr lang="en-US" dirty="0"/>
+            </a:br>
+            <a:r>
+              <a:rPr lang="en-US" dirty="0"/>
+              <a:t>Words</a:t>
+            </a:r>
+          </a:p>
+        </p:txBody>
+      </p:sp>
+      <p:sp>
+        <p:nvSpPr>
+          <p:cNvPr id="3" name="Subtitle 2">
+            <a:extLst>
+              <a:ext uri="{FF2B5EF4-FFF2-40B4-BE49-F238E27FC236}">
+                <a16:creationId xmlns:a16="http://schemas.microsoft.com/office/drawing/2014/main" id="{7B3B8948-0515-4975-AD46-517BD6738023}"/>
+              </a:ext>
+            </a:extLst>
+          </p:cNvPr>
+          <p:cNvSpPr>
+            <a:spLocks noGrp="1"/>
+          </p:cNvSpPr>
+          <p:nvPr>
+            <p:ph type="subTitle" idx="1"/>
+          </p:nvPr>
+        </p:nvSpPr>
+        <p:spPr/>
+        <p:txBody>
+          <a:bodyPr/>
+          <a:lstStyle/>
+          <a:p>
+            <a:r>
+              <a:rPr lang="en-US" dirty="0"/>
+              <a:t> </a:t>
+            </a:r>
+          </a:p>
+        </p:txBody>
+      </p:sp>
+      <p:sp>
+        <p:nvSpPr>
+          <p:cNvPr id="4" name="Text Placeholder 3">
+            <a:extLst>
+              <a:ext uri="{FF2B5EF4-FFF2-40B4-BE49-F238E27FC236}">
+                <a16:creationId xmlns:a16="http://schemas.microsoft.com/office/drawing/2014/main" id="{9A20E5C6-0DF2-4D80-A132-489228CEDB18}"/>
+              </a:ext>
+            </a:extLst>
+          </p:cNvPr>
+          <p:cNvSpPr>
+            <a:spLocks noGrp="1"/>
+          </p:cNvSpPr>
+          <p:nvPr>
+            <p:ph type="body" idx="2"/>
+          </p:nvPr>
+        </p:nvSpPr>
+        <p:spPr/>
+        <p:txBody>
+          <a:bodyPr/>
+          <a:lstStyle/>
+          <a:p>
+            <a:endParaRPr lang="en-US" dirty="0"/>
+          </a:p>
+        </p:txBody>
+      </p:sp>
+      <p:pic>
+        <p:nvPicPr>
+          <p:cNvPr id="6" name="Picture 5">
+            <a:extLst>
+              <a:ext uri="{FF2B5EF4-FFF2-40B4-BE49-F238E27FC236}">
+                <a16:creationId xmlns:a16="http://schemas.microsoft.com/office/drawing/2014/main" id="{66399313-5C46-4325-A2AA-9D48CA67EF2C}"/>
+              </a:ext>
+            </a:extLst>
+          </p:cNvPr>
+          <p:cNvPicPr>
+            <a:picLocks noChangeAspect="1"/>
+          </p:cNvPicPr>
+          <p:nvPr/>
+        </p:nvPicPr>
+        <p:blipFill>
+          <a:blip r:embed="rId2"/>
+          <a:stretch>
+            <a:fillRect/>
+          </a:stretch>
+        </p:blipFill>
+        <p:spPr>
+          <a:xfrm>
+            <a:off x="4310699" y="95250"/>
+            <a:ext cx="4671376" cy="4953000"/>
+          </a:xfrm>
+          <a:prstGeom prst="rect">
+            <a:avLst/>
+          </a:prstGeom>
+        </p:spPr>
+      </p:pic>
+    </p:spTree>
+    <p:extLst>
+      <p:ext uri="{BB962C8B-B14F-4D97-AF65-F5344CB8AC3E}">
+        <p14:creationId xmlns:p14="http://schemas.microsoft.com/office/powerpoint/2010/main" val="1221062129"/>
+      </p:ext>
+    </p:extLst>
+  </p:cSld>
+  <p:clrMapOvr>
+    <a:masterClrMapping/>
+  </p:clrMapOvr>
+</p:sld>
+</file>
+
+<file path=ppt/slides/slide6.xml><?xml version="1.0" encoding="utf-8"?>
+<p:sld xmlns:a="http://schemas.openxmlformats.org/drawingml/2006/main" xmlns:r="http://schemas.openxmlformats.org/officeDocument/2006/relationships" xmlns:p="http://schemas.openxmlformats.org/presentationml/2006/main">
+  <p:cSld>
+    <p:spTree>
+      <p:nvGrpSpPr>
+        <p:cNvPr id="1" name=""/>
+        <p:cNvGrpSpPr/>
+        <p:nvPr/>
+      </p:nvGrpSpPr>
+      <p:grpSpPr>
+        <a:xfrm>
+          <a:off x="0" y="0"/>
+          <a:ext cx="0" cy="0"/>
+          <a:chOff x="0" y="0"/>
+          <a:chExt cx="0" cy="0"/>
+        </a:xfrm>
+      </p:grpSpPr>
+      <p:sp>
+        <p:nvSpPr>
+          <p:cNvPr id="2" name="Title 1">
+            <a:extLst>
+              <a:ext uri="{FF2B5EF4-FFF2-40B4-BE49-F238E27FC236}">
+                <a16:creationId xmlns:a16="http://schemas.microsoft.com/office/drawing/2014/main" id="{43FC54A1-CA5B-4F75-BABB-4143B4B34363}"/>
+              </a:ext>
+            </a:extLst>
+          </p:cNvPr>
+          <p:cNvSpPr>
+            <a:spLocks noGrp="1"/>
+          </p:cNvSpPr>
+          <p:nvPr>
+            <p:ph type="title"/>
+          </p:nvPr>
+        </p:nvSpPr>
+        <p:spPr/>
+        <p:txBody>
+          <a:bodyPr/>
+          <a:lstStyle/>
+          <a:p>
+            <a:r>
+              <a:rPr lang="en-US" dirty="0"/>
+              <a:t>Less Frequent Words</a:t>
+            </a:r>
+          </a:p>
+        </p:txBody>
+      </p:sp>
+      <p:sp>
+        <p:nvSpPr>
+          <p:cNvPr id="3" name="Subtitle 2">
+            <a:extLst>
+              <a:ext uri="{FF2B5EF4-FFF2-40B4-BE49-F238E27FC236}">
+                <a16:creationId xmlns:a16="http://schemas.microsoft.com/office/drawing/2014/main" id="{FEE636A8-834D-4C9E-8D2F-1E4493BA6F41}"/>
+              </a:ext>
+            </a:extLst>
+          </p:cNvPr>
+          <p:cNvSpPr>
+            <a:spLocks noGrp="1"/>
+          </p:cNvSpPr>
+          <p:nvPr>
+            <p:ph type="subTitle" idx="1"/>
+          </p:nvPr>
+        </p:nvSpPr>
+        <p:spPr/>
+        <p:txBody>
+          <a:bodyPr/>
+          <a:lstStyle/>
+          <a:p>
+            <a:r>
+              <a:rPr lang="en-US" dirty="0"/>
+              <a:t> </a:t>
+            </a:r>
+          </a:p>
+        </p:txBody>
+      </p:sp>
+      <p:sp>
+        <p:nvSpPr>
+          <p:cNvPr id="4" name="Text Placeholder 3">
+            <a:extLst>
+              <a:ext uri="{FF2B5EF4-FFF2-40B4-BE49-F238E27FC236}">
+                <a16:creationId xmlns:a16="http://schemas.microsoft.com/office/drawing/2014/main" id="{B49D3D30-B314-4056-8AE3-CEDBF8C8CA58}"/>
+              </a:ext>
+            </a:extLst>
+          </p:cNvPr>
+          <p:cNvSpPr>
+            <a:spLocks noGrp="1"/>
+          </p:cNvSpPr>
+          <p:nvPr>
+            <p:ph type="body" idx="2"/>
+          </p:nvPr>
+        </p:nvSpPr>
+        <p:spPr/>
+        <p:txBody>
+          <a:bodyPr/>
+          <a:lstStyle/>
+          <a:p>
+            <a:endParaRPr lang="en-US" dirty="0"/>
+          </a:p>
+        </p:txBody>
+      </p:sp>
+      <p:pic>
+        <p:nvPicPr>
+          <p:cNvPr id="6" name="Picture 5">
+            <a:extLst>
+              <a:ext uri="{FF2B5EF4-FFF2-40B4-BE49-F238E27FC236}">
+                <a16:creationId xmlns:a16="http://schemas.microsoft.com/office/drawing/2014/main" id="{D99910CE-2E70-41BF-8D5F-85B89A156F3C}"/>
+              </a:ext>
+            </a:extLst>
+          </p:cNvPr>
+          <p:cNvPicPr>
+            <a:picLocks noChangeAspect="1"/>
+          </p:cNvPicPr>
+          <p:nvPr/>
+        </p:nvPicPr>
+        <p:blipFill>
+          <a:blip r:embed="rId2"/>
+          <a:stretch>
+            <a:fillRect/>
+          </a:stretch>
+        </p:blipFill>
+        <p:spPr>
+          <a:xfrm>
+            <a:off x="4603897" y="95250"/>
+            <a:ext cx="4378177" cy="4953000"/>
+          </a:xfrm>
+          <a:prstGeom prst="rect">
+            <a:avLst/>
+          </a:prstGeom>
+        </p:spPr>
+      </p:pic>
+    </p:spTree>
+    <p:extLst>
+      <p:ext uri="{BB962C8B-B14F-4D97-AF65-F5344CB8AC3E}">
+        <p14:creationId xmlns:p14="http://schemas.microsoft.com/office/powerpoint/2010/main" val="3634456269"/>
+      </p:ext>
+    </p:extLst>
+  </p:cSld>
+  <p:clrMapOvr>
+    <a:masterClrMapping/>
+  </p:clrMapOvr>
+</p:sld>
+</file>
+
+<file path=ppt/slides/slide7.xml><?xml version="1.0" encoding="utf-8"?>
+<p:sld xmlns:a="http://schemas.openxmlformats.org/drawingml/2006/main" xmlns:r="http://schemas.openxmlformats.org/officeDocument/2006/relationships" xmlns:p="http://schemas.openxmlformats.org/presentationml/2006/main">
+  <p:cSld>
+    <p:spTree>
+      <p:nvGrpSpPr>
+        <p:cNvPr id="1" name=""/>
+        <p:cNvGrpSpPr/>
+        <p:nvPr/>
+      </p:nvGrpSpPr>
+      <p:grpSpPr>
+        <a:xfrm>
+          <a:off x="0" y="0"/>
+          <a:ext cx="0" cy="0"/>
+          <a:chOff x="0" y="0"/>
+          <a:chExt cx="0" cy="0"/>
+        </a:xfrm>
+      </p:grpSpPr>
+      <p:sp>
+        <p:nvSpPr>
           <p:cNvPr id="2" name="Title 1"/>
           <p:cNvSpPr>
             <a:spLocks noGrp="1"/>
@@ -8714,7 +9272,7 @@
 </p:sld>
 </file>
 
-<file path=ppt/slides/slide6.xml><?xml version="1.0" encoding="utf-8"?>
+<file path=ppt/slides/slide8.xml><?xml version="1.0" encoding="utf-8"?>
 <p:sld xmlns:a="http://schemas.openxmlformats.org/drawingml/2006/main" xmlns:r="http://schemas.openxmlformats.org/officeDocument/2006/relationships" xmlns:p="http://schemas.openxmlformats.org/presentationml/2006/main">
   <p:cSld>
     <p:spTree>
@@ -9232,7 +9790,7 @@
 </p:sld>
 </file>
 
-<file path=ppt/slides/slide7.xml><?xml version="1.0" encoding="utf-8"?>
+<file path=ppt/slides/slide9.xml><?xml version="1.0" encoding="utf-8"?>
 <p:sld xmlns:a="http://schemas.openxmlformats.org/drawingml/2006/main" xmlns:r="http://schemas.openxmlformats.org/officeDocument/2006/relationships" xmlns:p="http://schemas.openxmlformats.org/presentationml/2006/main">
   <p:cSld>
     <p:spTree>
@@ -9746,269 +10304,6 @@
         </p:txBody>
       </p:sp>
     </p:spTree>
-  </p:cSld>
-  <p:clrMapOvr>
-    <a:masterClrMapping/>
-  </p:clrMapOvr>
-</p:sld>
-</file>
-
-<file path=ppt/slides/slide8.xml><?xml version="1.0" encoding="utf-8"?>
-<p:sld xmlns:a="http://schemas.openxmlformats.org/drawingml/2006/main" xmlns:r="http://schemas.openxmlformats.org/officeDocument/2006/relationships" xmlns:p="http://schemas.openxmlformats.org/presentationml/2006/main">
-  <p:cSld>
-    <p:spTree>
-      <p:nvGrpSpPr>
-        <p:cNvPr id="1" name=""/>
-        <p:cNvGrpSpPr/>
-        <p:nvPr/>
-      </p:nvGrpSpPr>
-      <p:grpSpPr>
-        <a:xfrm>
-          <a:off x="0" y="0"/>
-          <a:ext cx="0" cy="0"/>
-          <a:chOff x="0" y="0"/>
-          <a:chExt cx="0" cy="0"/>
-        </a:xfrm>
-      </p:grpSpPr>
-      <p:pic>
-        <p:nvPicPr>
-          <p:cNvPr id="3" name="Picture 2"/>
-          <p:cNvPicPr>
-            <a:picLocks noChangeAspect="1"/>
-          </p:cNvPicPr>
-          <p:nvPr/>
-        </p:nvPicPr>
-        <p:blipFill>
-          <a:blip r:embed="rId2"/>
-          <a:stretch>
-            <a:fillRect/>
-          </a:stretch>
-        </p:blipFill>
-        <p:spPr>
-          <a:xfrm>
-            <a:off x="1894146" y="0"/>
-            <a:ext cx="4781550" cy="4914900"/>
-          </a:xfrm>
-          <a:prstGeom prst="rect">
-            <a:avLst/>
-          </a:prstGeom>
-        </p:spPr>
-      </p:pic>
-    </p:spTree>
-    <p:extLst>
-      <p:ext uri="{BB962C8B-B14F-4D97-AF65-F5344CB8AC3E}">
-        <p14:creationId xmlns:p14="http://schemas.microsoft.com/office/powerpoint/2010/main" val="2790826546"/>
-      </p:ext>
-    </p:extLst>
-  </p:cSld>
-  <p:clrMapOvr>
-    <a:masterClrMapping/>
-  </p:clrMapOvr>
-</p:sld>
-</file>
-
-<file path=ppt/slides/slide9.xml><?xml version="1.0" encoding="utf-8"?>
-<p:sld xmlns:a="http://schemas.openxmlformats.org/drawingml/2006/main" xmlns:r="http://schemas.openxmlformats.org/officeDocument/2006/relationships" xmlns:p="http://schemas.openxmlformats.org/presentationml/2006/main">
-  <p:cSld>
-    <p:spTree>
-      <p:nvGrpSpPr>
-        <p:cNvPr id="1" name="Shape 131"/>
-        <p:cNvGrpSpPr/>
-        <p:nvPr/>
-      </p:nvGrpSpPr>
-      <p:grpSpPr>
-        <a:xfrm>
-          <a:off x="0" y="0"/>
-          <a:ext cx="0" cy="0"/>
-          <a:chOff x="0" y="0"/>
-          <a:chExt cx="0" cy="0"/>
-        </a:xfrm>
-      </p:grpSpPr>
-      <p:sp>
-        <p:nvSpPr>
-          <p:cNvPr id="132" name="Shape 132"/>
-          <p:cNvSpPr txBox="1">
-            <a:spLocks noGrp="1"/>
-          </p:cNvSpPr>
-          <p:nvPr>
-            <p:ph type="title"/>
-          </p:nvPr>
-        </p:nvSpPr>
-        <p:spPr>
-          <a:xfrm>
-            <a:off x="265500" y="1151100"/>
-            <a:ext cx="4045199" cy="1564499"/>
-          </a:xfrm>
-          <a:prstGeom prst="rect">
-            <a:avLst/>
-          </a:prstGeom>
-        </p:spPr>
-        <p:txBody>
-          <a:bodyPr lIns="91425" tIns="91425" rIns="91425" bIns="91425" anchor="b" anchorCtr="0">
-            <a:noAutofit/>
-          </a:bodyPr>
-          <a:lstStyle/>
-          <a:p>
-            <a:pPr lvl="0">
-              <a:spcBef>
-                <a:spcPts val="0"/>
-              </a:spcBef>
-              <a:buNone/>
-            </a:pPr>
-            <a:r>
-              <a:rPr lang="en" dirty="0"/>
-              <a:t>Hyper Parameters</a:t>
-            </a:r>
-          </a:p>
-        </p:txBody>
-      </p:sp>
-      <p:sp>
-        <p:nvSpPr>
-          <p:cNvPr id="133" name="Shape 133"/>
-          <p:cNvSpPr txBox="1">
-            <a:spLocks noGrp="1"/>
-          </p:cNvSpPr>
-          <p:nvPr>
-            <p:ph type="subTitle" idx="1"/>
-          </p:nvPr>
-        </p:nvSpPr>
-        <p:spPr>
-          <a:xfrm>
-            <a:off x="265500" y="2769001"/>
-            <a:ext cx="4045199" cy="1269299"/>
-          </a:xfrm>
-          <a:prstGeom prst="rect">
-            <a:avLst/>
-          </a:prstGeom>
-        </p:spPr>
-        <p:txBody>
-          <a:bodyPr lIns="91425" tIns="91425" rIns="91425" bIns="91425" anchor="t" anchorCtr="0">
-            <a:noAutofit/>
-          </a:bodyPr>
-          <a:lstStyle/>
-          <a:p>
-            <a:pPr lvl="0">
-              <a:spcBef>
-                <a:spcPts val="0"/>
-              </a:spcBef>
-              <a:buNone/>
-            </a:pPr>
-            <a:r>
-              <a:rPr lang="en"/>
-              <a:t> </a:t>
-            </a:r>
-          </a:p>
-        </p:txBody>
-      </p:sp>
-      <p:sp>
-        <p:nvSpPr>
-          <p:cNvPr id="134" name="Shape 134"/>
-          <p:cNvSpPr txBox="1">
-            <a:spLocks noGrp="1"/>
-          </p:cNvSpPr>
-          <p:nvPr>
-            <p:ph type="body" idx="2"/>
-          </p:nvPr>
-        </p:nvSpPr>
-        <p:spPr>
-          <a:xfrm>
-            <a:off x="4939500" y="724200"/>
-            <a:ext cx="3837000" cy="4089340"/>
-          </a:xfrm>
-          <a:prstGeom prst="rect">
-            <a:avLst/>
-          </a:prstGeom>
-        </p:spPr>
-        <p:txBody>
-          <a:bodyPr lIns="91425" tIns="91425" rIns="91425" bIns="91425" anchor="ctr" anchorCtr="0">
-            <a:noAutofit/>
-          </a:bodyPr>
-          <a:lstStyle/>
-          <a:p>
-            <a:pPr lvl="0">
-              <a:spcBef>
-                <a:spcPts val="0"/>
-              </a:spcBef>
-              <a:buNone/>
-            </a:pPr>
-            <a:r>
-              <a:rPr lang="en" dirty="0"/>
-              <a:t>Embedding dimensions = 300</a:t>
-            </a:r>
-          </a:p>
-          <a:p>
-            <a:pPr lvl="0">
-              <a:spcBef>
-                <a:spcPts val="0"/>
-              </a:spcBef>
-              <a:buNone/>
-            </a:pPr>
-            <a:r>
-              <a:rPr lang="en" dirty="0"/>
-              <a:t>Filter window size = 3, 4, 5</a:t>
-            </a:r>
-          </a:p>
-          <a:p>
-            <a:r>
-              <a:rPr lang="en" dirty="0"/>
-              <a:t>Feature maps = 128</a:t>
-            </a:r>
-          </a:p>
-          <a:p>
-            <a:pPr lvl="0"/>
-            <a:r>
-              <a:rPr lang="en-US" dirty="0"/>
-              <a:t>D</a:t>
-            </a:r>
-            <a:r>
-              <a:rPr lang="en" dirty="0"/>
-              <a:t>ropout = 0.7</a:t>
-            </a:r>
-          </a:p>
-          <a:p>
-            <a:pPr lvl="0">
-              <a:spcBef>
-                <a:spcPts val="0"/>
-              </a:spcBef>
-              <a:buNone/>
-            </a:pPr>
-            <a:r>
-              <a:rPr lang="en" dirty="0"/>
-              <a:t>Loss function = Cross entropy</a:t>
-            </a:r>
-          </a:p>
-          <a:p>
-            <a:pPr lvl="0">
-              <a:spcBef>
-                <a:spcPts val="0"/>
-              </a:spcBef>
-              <a:buNone/>
-            </a:pPr>
-            <a:r>
-              <a:rPr lang="en" dirty="0"/>
-              <a:t>Learning Rate (Adam) = 0.001</a:t>
-            </a:r>
-          </a:p>
-          <a:p>
-            <a:r>
-              <a:rPr lang="en" dirty="0"/>
-              <a:t>Batch Size = 64</a:t>
-            </a:r>
-          </a:p>
-          <a:p>
-            <a:r>
-              <a:rPr lang="en" dirty="0"/>
-              <a:t>Variable Epochs</a:t>
-            </a:r>
-          </a:p>
-        </p:txBody>
-      </p:sp>
-    </p:spTree>
-    <p:extLst>
-      <p:ext uri="{BB962C8B-B14F-4D97-AF65-F5344CB8AC3E}">
-        <p14:creationId xmlns:p14="http://schemas.microsoft.com/office/powerpoint/2010/main" val="234549927"/>
-      </p:ext>
-    </p:extLst>
   </p:cSld>
   <p:clrMapOvr>
     <a:masterClrMapping/>
